--- a/Slide/Bao cao buoi 1.pptx
+++ b/Slide/Bao cao buoi 1.pptx
@@ -131,6 +131,9 @@
         </p15:guide>
       </p15:sldGuideLst>
     </p:ext>
+    <p:ext uri="{2D200454-40CA-4A62-9FC3-DE9A4176ACB9}">
+      <p15:notesGuideLst xmlns:p15="http://schemas.microsoft.com/office/powerpoint/2012/main"/>
+    </p:ext>
   </p:extLst>
 </p:presentation>
 </file>
@@ -217,7 +220,7 @@
           <a:p>
             <a:fld id="{9AE7399F-E91F-47DE-8BF2-F1E07177B58E}" type="datetimeFigureOut">
               <a:rPr lang="en-US" smtClean="0"/>
-              <a:t>2/23/2017</a:t>
+              <a:t>2/24/2017</a:t>
             </a:fld>
             <a:endParaRPr lang="en-US"/>
           </a:p>
@@ -2273,7 +2276,7 @@
           <a:p>
             <a:fld id="{9E759532-C0E6-4A63-A9D4-8F416734BCB6}" type="datetimeFigureOut">
               <a:rPr lang="en-US" smtClean="0"/>
-              <a:t>2/23/2017</a:t>
+              <a:t>2/24/2017</a:t>
             </a:fld>
             <a:endParaRPr lang="en-US"/>
           </a:p>
@@ -2441,7 +2444,7 @@
           <a:p>
             <a:fld id="{9E759532-C0E6-4A63-A9D4-8F416734BCB6}" type="datetimeFigureOut">
               <a:rPr lang="en-US" smtClean="0"/>
-              <a:t>2/23/2017</a:t>
+              <a:t>2/24/2017</a:t>
             </a:fld>
             <a:endParaRPr lang="en-US"/>
           </a:p>
@@ -2619,7 +2622,7 @@
           <a:p>
             <a:fld id="{9E759532-C0E6-4A63-A9D4-8F416734BCB6}" type="datetimeFigureOut">
               <a:rPr lang="en-US" smtClean="0"/>
-              <a:t>2/23/2017</a:t>
+              <a:t>2/24/2017</a:t>
             </a:fld>
             <a:endParaRPr lang="en-US"/>
           </a:p>
@@ -2787,7 +2790,7 @@
           <a:p>
             <a:fld id="{9E759532-C0E6-4A63-A9D4-8F416734BCB6}" type="datetimeFigureOut">
               <a:rPr lang="en-US" smtClean="0"/>
-              <a:t>2/23/2017</a:t>
+              <a:t>2/24/2017</a:t>
             </a:fld>
             <a:endParaRPr lang="en-US"/>
           </a:p>
@@ -3032,7 +3035,7 @@
           <a:p>
             <a:fld id="{9E759532-C0E6-4A63-A9D4-8F416734BCB6}" type="datetimeFigureOut">
               <a:rPr lang="en-US" smtClean="0"/>
-              <a:t>2/23/2017</a:t>
+              <a:t>2/24/2017</a:t>
             </a:fld>
             <a:endParaRPr lang="en-US"/>
           </a:p>
@@ -3261,7 +3264,7 @@
           <a:p>
             <a:fld id="{9E759532-C0E6-4A63-A9D4-8F416734BCB6}" type="datetimeFigureOut">
               <a:rPr lang="en-US" smtClean="0"/>
-              <a:t>2/23/2017</a:t>
+              <a:t>2/24/2017</a:t>
             </a:fld>
             <a:endParaRPr lang="en-US"/>
           </a:p>
@@ -3625,7 +3628,7 @@
           <a:p>
             <a:fld id="{9E759532-C0E6-4A63-A9D4-8F416734BCB6}" type="datetimeFigureOut">
               <a:rPr lang="en-US" smtClean="0"/>
-              <a:t>2/23/2017</a:t>
+              <a:t>2/24/2017</a:t>
             </a:fld>
             <a:endParaRPr lang="en-US"/>
           </a:p>
@@ -3742,7 +3745,7 @@
           <a:p>
             <a:fld id="{9E759532-C0E6-4A63-A9D4-8F416734BCB6}" type="datetimeFigureOut">
               <a:rPr lang="en-US" smtClean="0"/>
-              <a:t>2/23/2017</a:t>
+              <a:t>2/24/2017</a:t>
             </a:fld>
             <a:endParaRPr lang="en-US"/>
           </a:p>
@@ -3837,7 +3840,7 @@
           <a:p>
             <a:fld id="{9E759532-C0E6-4A63-A9D4-8F416734BCB6}" type="datetimeFigureOut">
               <a:rPr lang="en-US" smtClean="0"/>
-              <a:t>2/23/2017</a:t>
+              <a:t>2/24/2017</a:t>
             </a:fld>
             <a:endParaRPr lang="en-US"/>
           </a:p>
@@ -4112,7 +4115,7 @@
           <a:p>
             <a:fld id="{9E759532-C0E6-4A63-A9D4-8F416734BCB6}" type="datetimeFigureOut">
               <a:rPr lang="en-US" smtClean="0"/>
-              <a:t>2/23/2017</a:t>
+              <a:t>2/24/2017</a:t>
             </a:fld>
             <a:endParaRPr lang="en-US"/>
           </a:p>
@@ -4364,7 +4367,7 @@
           <a:p>
             <a:fld id="{9E759532-C0E6-4A63-A9D4-8F416734BCB6}" type="datetimeFigureOut">
               <a:rPr lang="en-US" smtClean="0"/>
-              <a:t>2/23/2017</a:t>
+              <a:t>2/24/2017</a:t>
             </a:fld>
             <a:endParaRPr lang="en-US"/>
           </a:p>
@@ -4575,7 +4578,7 @@
           <a:p>
             <a:fld id="{9E759532-C0E6-4A63-A9D4-8F416734BCB6}" type="datetimeFigureOut">
               <a:rPr lang="en-US" smtClean="0"/>
-              <a:t>2/23/2017</a:t>
+              <a:t>2/24/2017</a:t>
             </a:fld>
             <a:endParaRPr lang="en-US"/>
           </a:p>
@@ -5087,7 +5090,7 @@
               <a:t> </a:t>
             </a:r>
             <a:r>
-              <a:rPr lang="en-US" sz="5000" dirty="0" err="1">
+              <a:rPr lang="en-US" sz="5000" dirty="0" err="1" smtClean="0">
                 <a:solidFill>
                   <a:srgbClr val="0000CC"/>
                 </a:solidFill>
@@ -5095,13 +5098,18 @@
               <a:t>án</a:t>
             </a:r>
             <a:r>
-              <a:rPr lang="en-US" sz="5000" dirty="0">
+              <a:rPr lang="en-US" sz="5000" smtClean="0">
                 <a:solidFill>
                   <a:srgbClr val="0000CC"/>
                 </a:solidFill>
               </a:rPr>
-              <a:t>: </a:t>
-            </a:r>
+              <a:t>   : </a:t>
+            </a:r>
+            <a:endParaRPr lang="en-US" sz="5000" dirty="0">
+              <a:solidFill>
+                <a:srgbClr val="0000CC"/>
+              </a:solidFill>
+            </a:endParaRPr>
           </a:p>
           <a:p>
             <a:endParaRPr lang="en-US" sz="2800" dirty="0">
@@ -6656,7 +6664,7 @@
           <p:nvPr/>
         </p:nvPicPr>
         <p:blipFill>
-          <a:blip r:embed="rId4">
+          <a:blip r:embed="rId4" cstate="print">
             <a:extLst>
               <a:ext uri="{28A0092B-C50C-407E-A947-70E740481C1C}">
                 <a14:useLocalDpi xmlns:a14="http://schemas.microsoft.com/office/drawing/2010/main" val="0"/>
@@ -6715,7 +6723,7 @@
           <p:nvPr/>
         </p:nvPicPr>
         <p:blipFill>
-          <a:blip r:embed="rId5">
+          <a:blip r:embed="rId5" cstate="print">
             <a:extLst>
               <a:ext uri="{28A0092B-C50C-407E-A947-70E740481C1C}">
                 <a14:useLocalDpi xmlns:a14="http://schemas.microsoft.com/office/drawing/2010/main" val="0"/>

--- a/Slide/Bao cao buoi 1.pptx
+++ b/Slide/Bao cao buoi 1.pptx
@@ -5090,7 +5090,7 @@
               <a:t> </a:t>
             </a:r>
             <a:r>
-              <a:rPr lang="en-US" sz="5000" dirty="0" err="1" smtClean="0">
+              <a:rPr lang="en-US" sz="5000" dirty="0" err="1">
                 <a:solidFill>
                   <a:srgbClr val="0000CC"/>
                 </a:solidFill>
@@ -5098,18 +5098,13 @@
               <a:t>án</a:t>
             </a:r>
             <a:r>
-              <a:rPr lang="en-US" sz="5000" smtClean="0">
+              <a:rPr lang="en-US" sz="5000" dirty="0">
                 <a:solidFill>
                   <a:srgbClr val="0000CC"/>
                 </a:solidFill>
               </a:rPr>
-              <a:t>   : </a:t>
-            </a:r>
-            <a:endParaRPr lang="en-US" sz="5000" dirty="0">
-              <a:solidFill>
-                <a:srgbClr val="0000CC"/>
-              </a:solidFill>
-            </a:endParaRPr>
+              <a:t>: </a:t>
+            </a:r>
           </a:p>
           <a:p>
             <a:endParaRPr lang="en-US" sz="2800" dirty="0">
